--- a/ppts/Day_2.pptx
+++ b/ppts/Day_2.pptx
@@ -219,7 +219,7 @@
           <a:p>
             <a:fld id="{648057B7-EFC7-4AC6-B479-CDD44EB7D654}" type="datetimeFigureOut">
               <a:rPr lang="ko-KR" altLang="en-US" smtClean="0"/>
-              <a:t>2020-01-21</a:t>
+              <a:t>20-01-21</a:t>
             </a:fld>
             <a:endParaRPr lang="ko-KR" altLang="en-US"/>
           </a:p>
@@ -1396,7 +1396,7 @@
           <a:p>
             <a:fld id="{92DC3DFC-D19E-4489-81A0-2BEACF4D5BEA}" type="datetime1">
               <a:rPr lang="ko-KR" altLang="en-US" smtClean="0"/>
-              <a:t>2020-01-21</a:t>
+              <a:t>20-01-21</a:t>
             </a:fld>
             <a:endParaRPr lang="ko-KR" altLang="en-US"/>
           </a:p>
@@ -2072,7 +2072,7 @@
           <a:p>
             <a:fld id="{D6186EA6-D9DB-42E3-9CF4-5FF064BCCBD4}" type="datetime1">
               <a:rPr lang="ko-KR" altLang="en-US" smtClean="0"/>
-              <a:t>2020-01-21</a:t>
+              <a:t>20-01-21</a:t>
             </a:fld>
             <a:endParaRPr lang="ko-KR" altLang="en-US"/>
           </a:p>
@@ -2230,7 +2230,7 @@
           <a:p>
             <a:fld id="{E42C130B-BDA3-4432-AD22-7228F2591A72}" type="datetime1">
               <a:rPr lang="ko-KR" altLang="en-US" smtClean="0"/>
-              <a:t>2020-01-21</a:t>
+              <a:t>20-01-21</a:t>
             </a:fld>
             <a:endParaRPr lang="ko-KR" altLang="en-US"/>
           </a:p>
@@ -2494,7 +2494,7 @@
           <a:p>
             <a:fld id="{3C649B2E-AC5C-4CA1-A2FD-F4A945DECCCA}" type="datetime1">
               <a:rPr lang="ko-KR" altLang="en-US" smtClean="0"/>
-              <a:t>2020-01-21</a:t>
+              <a:t>20-01-21</a:t>
             </a:fld>
             <a:endParaRPr lang="ko-KR" altLang="en-US"/>
           </a:p>
@@ -2588,7 +2588,7 @@
           <a:p>
             <a:fld id="{AC778754-33AA-481A-B885-58843B94B2EC}" type="datetime1">
               <a:rPr lang="ko-KR" altLang="en-US" smtClean="0"/>
-              <a:t>2020-01-21</a:t>
+              <a:t>20-01-21</a:t>
             </a:fld>
             <a:endParaRPr lang="ko-KR" altLang="en-US"/>
           </a:p>
@@ -3299,7 +3299,7 @@
             <a:fld id="{AC778754-33AA-481A-B885-58843B94B2EC}" type="datetime1">
               <a:rPr lang="ko-KR" altLang="en-US" smtClean="0"/>
               <a:pPr/>
-              <a:t>2020-01-21</a:t>
+              <a:t>20-01-21</a:t>
             </a:fld>
             <a:endParaRPr lang="ko-KR" altLang="en-US" dirty="0"/>
           </a:p>
@@ -4999,8 +4999,8 @@
         </p:blipFill>
         <p:spPr>
           <a:xfrm>
-            <a:off x="7824192" y="1188668"/>
-            <a:ext cx="2952328" cy="5248583"/>
+            <a:off x="8031262" y="1556792"/>
+            <a:ext cx="2745258" cy="4880459"/>
           </a:xfrm>
           <a:prstGeom prst="rect">
             <a:avLst/>
@@ -5125,7 +5125,7 @@
         </p:blipFill>
         <p:spPr>
           <a:xfrm>
-            <a:off x="1843247" y="1059923"/>
+            <a:off x="453100" y="1196752"/>
             <a:ext cx="3240359" cy="5184576"/>
           </a:xfrm>
         </p:spPr>
@@ -5144,8 +5144,8 @@
         </p:nvSpPr>
         <p:spPr>
           <a:xfrm>
-            <a:off x="7108396" y="3013501"/>
-            <a:ext cx="4442211" cy="830997"/>
+            <a:off x="5447928" y="3013501"/>
+            <a:ext cx="6102679" cy="461665"/>
           </a:xfrm>
           <a:prstGeom prst="rect">
             <a:avLst/>
@@ -5163,22 +5163,22 @@
               <a:buChar char="•"/>
             </a:pPr>
             <a:r>
-              <a:rPr lang="en-US" altLang="ko-KR" sz="2400" b="1" dirty="0"/>
+              <a:rPr lang="en-US" altLang="ko-KR" sz="2400" dirty="0"/>
               <a:t>Tablet</a:t>
             </a:r>
             <a:r>
-              <a:rPr lang="ko-KR" altLang="en-US" sz="2400" b="1" dirty="0"/>
+              <a:rPr lang="ko-KR" altLang="en-US" sz="2400" dirty="0"/>
               <a:t>용 </a:t>
             </a:r>
             <a:r>
-              <a:rPr lang="en-US" altLang="ko-KR" sz="2400" b="1" dirty="0"/>
+              <a:rPr lang="en-US" altLang="ko-KR" sz="2400" dirty="0"/>
               <a:t>xml</a:t>
             </a:r>
             <a:r>
-              <a:rPr lang="ko-KR" altLang="en-US" sz="2400" b="1" dirty="0"/>
+              <a:rPr lang="ko-KR" altLang="en-US" sz="2400" dirty="0"/>
               <a:t>을 만들고 화면 구성을 바꾼다</a:t>
             </a:r>
-            <a:endParaRPr lang="en-US" altLang="ko-KR" sz="2400" b="1" dirty="0"/>
+            <a:endParaRPr lang="en-US" altLang="ko-KR" sz="2400" dirty="0"/>
           </a:p>
         </p:txBody>
       </p:sp>
@@ -5602,8 +5602,8 @@
         </p:nvSpPr>
         <p:spPr>
           <a:xfrm>
-            <a:off x="7176120" y="2956301"/>
-            <a:ext cx="3966005" cy="1200329"/>
+            <a:off x="5735960" y="2956301"/>
+            <a:ext cx="5832648" cy="830997"/>
           </a:xfrm>
           <a:prstGeom prst="rect">
             <a:avLst/>
